--- a/CV_Assignment_2_PPT_PS4.pptx
+++ b/CV_Assignment_2_PPT_PS4.pptx
@@ -5,7 +5,7 @@
     <p:sldMasterId id="2147483648" r:id="rId4"/>
   </p:sldMasterIdLst>
   <p:notesMasterIdLst>
-    <p:notesMasterId r:id="rId18"/>
+    <p:notesMasterId r:id="rId19"/>
   </p:notesMasterIdLst>
   <p:sldIdLst>
     <p:sldId id="256" r:id="rId5"/>
@@ -19,8 +19,9 @@
     <p:sldId id="330" r:id="rId13"/>
     <p:sldId id="335" r:id="rId14"/>
     <p:sldId id="336" r:id="rId15"/>
-    <p:sldId id="326" r:id="rId16"/>
-    <p:sldId id="327" r:id="rId17"/>
+    <p:sldId id="337" r:id="rId16"/>
+    <p:sldId id="326" r:id="rId17"/>
+    <p:sldId id="327" r:id="rId18"/>
   </p:sldIdLst>
   <p:sldSz cx="10693400" cy="7556500"/>
   <p:notesSz cx="10693400" cy="7556500"/>
@@ -1840,7 +1841,7 @@
           <a:bodyPr wrap="square" lIns="0" tIns="0" rIns="0" bIns="0" rtlCol="0"/>
           <a:lstStyle/>
           <a:p>
-            <a:endParaRPr/>
+            <a:endParaRPr dirty="0"/>
           </a:p>
         </p:txBody>
       </p:sp>
@@ -2052,7 +2053,7 @@
             </a:r>
             <a:r>
               <a:rPr lang="en-IN" dirty="0"/>
-              <a:t> Configuration effects, number of training steps (if less = underfitting, learning rate related – lesser one created data loss)</a:t>
+              <a:t> Configuration effects, number of training steps (if less = underfitting, learning rate related – higher one created data loss)</a:t>
             </a:r>
           </a:p>
           <a:p>
@@ -2248,6 +2249,94 @@
 </file>
 
 <file path=ppt/slides/slide12.xml><?xml version="1.0" encoding="utf-8"?>
+<p:sld xmlns:a="http://schemas.openxmlformats.org/drawingml/2006/main" xmlns:r="http://schemas.openxmlformats.org/officeDocument/2006/relationships" xmlns:p="http://schemas.openxmlformats.org/presentationml/2006/main">
+  <p:cSld>
+    <p:spTree>
+      <p:nvGrpSpPr>
+        <p:cNvPr id="1" name=""/>
+        <p:cNvGrpSpPr/>
+        <p:nvPr/>
+      </p:nvGrpSpPr>
+      <p:grpSpPr>
+        <a:xfrm>
+          <a:off x="0" y="0"/>
+          <a:ext cx="0" cy="0"/>
+          <a:chOff x="0" y="0"/>
+          <a:chExt cx="0" cy="0"/>
+        </a:xfrm>
+      </p:grpSpPr>
+      <p:sp>
+        <p:nvSpPr>
+          <p:cNvPr id="2" name="Title 1">
+            <a:extLst>
+              <a:ext uri="{FF2B5EF4-FFF2-40B4-BE49-F238E27FC236}">
+                <a16:creationId xmlns:a16="http://schemas.microsoft.com/office/drawing/2014/main" id="{A0728E5B-03D7-7889-6495-4BE0385CB57B}"/>
+              </a:ext>
+            </a:extLst>
+          </p:cNvPr>
+          <p:cNvSpPr>
+            <a:spLocks noGrp="1"/>
+          </p:cNvSpPr>
+          <p:nvPr>
+            <p:ph type="title"/>
+          </p:nvPr>
+        </p:nvSpPr>
+        <p:spPr>
+          <a:xfrm>
+            <a:off x="926961" y="1095828"/>
+            <a:ext cx="8839477" cy="369332"/>
+          </a:xfrm>
+        </p:spPr>
+        <p:txBody>
+          <a:bodyPr/>
+          <a:lstStyle/>
+          <a:p>
+            <a:r>
+              <a:rPr lang="en-IN" dirty="0"/>
+              <a:t>Live Demo</a:t>
+            </a:r>
+          </a:p>
+        </p:txBody>
+      </p:sp>
+      <p:sp>
+        <p:nvSpPr>
+          <p:cNvPr id="3" name="Text Placeholder 2">
+            <a:extLst>
+              <a:ext uri="{FF2B5EF4-FFF2-40B4-BE49-F238E27FC236}">
+                <a16:creationId xmlns:a16="http://schemas.microsoft.com/office/drawing/2014/main" id="{72E61115-A2BB-A286-0ADB-3D81CE285DF7}"/>
+              </a:ext>
+            </a:extLst>
+          </p:cNvPr>
+          <p:cNvSpPr>
+            <a:spLocks noGrp="1"/>
+          </p:cNvSpPr>
+          <p:nvPr>
+            <p:ph type="body" idx="1"/>
+          </p:nvPr>
+        </p:nvSpPr>
+        <p:spPr/>
+        <p:txBody>
+          <a:bodyPr/>
+          <a:lstStyle/>
+          <a:p>
+            <a:endParaRPr lang="en-IN"/>
+          </a:p>
+        </p:txBody>
+      </p:sp>
+    </p:spTree>
+    <p:extLst>
+      <p:ext uri="{BB962C8B-B14F-4D97-AF65-F5344CB8AC3E}">
+        <p14:creationId xmlns:p14="http://schemas.microsoft.com/office/powerpoint/2010/main" val="1533959391"/>
+      </p:ext>
+    </p:extLst>
+  </p:cSld>
+  <p:clrMapOvr>
+    <a:masterClrMapping/>
+  </p:clrMapOvr>
+</p:sld>
+</file>
+
+<file path=ppt/slides/slide13.xml><?xml version="1.0" encoding="utf-8"?>
 <p:sld xmlns:a="http://schemas.openxmlformats.org/drawingml/2006/main" xmlns:r="http://schemas.openxmlformats.org/officeDocument/2006/relationships" xmlns:p="http://schemas.openxmlformats.org/presentationml/2006/main" showMasterSp="0">
   <p:cSld>
     <p:spTree>
@@ -2529,7 +2618,7 @@
 </p:sld>
 </file>
 
-<file path=ppt/slides/slide13.xml><?xml version="1.0" encoding="utf-8"?>
+<file path=ppt/slides/slide14.xml><?xml version="1.0" encoding="utf-8"?>
 <p:sld xmlns:a="http://schemas.openxmlformats.org/drawingml/2006/main" xmlns:r="http://schemas.openxmlformats.org/officeDocument/2006/relationships" xmlns:p="http://schemas.openxmlformats.org/presentationml/2006/main" showMasterSp="0">
   <p:cSld>
     <p:spTree>
@@ -2783,7 +2872,7 @@
               </a:rPr>
               <a:t>Topics</a:t>
             </a:r>
-            <a:endParaRPr sz="2700"/>
+            <a:endParaRPr sz="2700" dirty="0"/>
           </a:p>
         </p:txBody>
       </p:sp>
@@ -2944,7 +3033,7 @@
               </a:rPr>
               <a:t>3</a:t>
             </a:r>
-            <a:endParaRPr sz="800">
+            <a:endParaRPr sz="800" dirty="0">
               <a:latin typeface="Calibri"/>
               <a:cs typeface="Calibri"/>
             </a:endParaRPr>
@@ -3050,6 +3139,36 @@
           </a:p>
         </p:txBody>
       </p:sp>
+      <p:pic>
+        <p:nvPicPr>
+          <p:cNvPr id="5" name="Picture 4">
+            <a:extLst>
+              <a:ext uri="{FF2B5EF4-FFF2-40B4-BE49-F238E27FC236}">
+                <a16:creationId xmlns:a16="http://schemas.microsoft.com/office/drawing/2014/main" id="{B85F45EC-E0C8-10D0-CDBB-BCDF59380AA9}"/>
+              </a:ext>
+            </a:extLst>
+          </p:cNvPr>
+          <p:cNvPicPr>
+            <a:picLocks noChangeAspect="1"/>
+          </p:cNvPicPr>
+          <p:nvPr/>
+        </p:nvPicPr>
+        <p:blipFill>
+          <a:blip r:embed="rId2"/>
+          <a:stretch>
+            <a:fillRect/>
+          </a:stretch>
+        </p:blipFill>
+        <p:spPr>
+          <a:xfrm>
+            <a:off x="3727449" y="2794405"/>
+            <a:ext cx="3238500" cy="3333750"/>
+          </a:xfrm>
+          <a:prstGeom prst="rect">
+            <a:avLst/>
+          </a:prstGeom>
+        </p:spPr>
+      </p:pic>
     </p:spTree>
     <p:extLst>
       <p:ext uri="{BB962C8B-B14F-4D97-AF65-F5344CB8AC3E}">
